--- a/Proekt.pptx
+++ b/Proekt.pptx
@@ -307,7 +307,7 @@
             <a:fld id="{5B106E36-FD25-4E2D-B0AA-010F637433A0}" type="datetimeFigureOut">
               <a:rPr lang="ru-RU" smtClean="0"/>
               <a:pPr/>
-              <a:t>02.06.2015</a:t>
+              <a:t>08.06.2015</a:t>
             </a:fld>
             <a:endParaRPr lang="ru-RU"/>
           </a:p>
@@ -474,7 +474,7 @@
             <a:fld id="{5B106E36-FD25-4E2D-B0AA-010F637433A0}" type="datetimeFigureOut">
               <a:rPr lang="ru-RU" smtClean="0"/>
               <a:pPr/>
-              <a:t>02.06.2015</a:t>
+              <a:t>08.06.2015</a:t>
             </a:fld>
             <a:endParaRPr lang="ru-RU"/>
           </a:p>
@@ -651,7 +651,7 @@
             <a:fld id="{5B106E36-FD25-4E2D-B0AA-010F637433A0}" type="datetimeFigureOut">
               <a:rPr lang="ru-RU" smtClean="0"/>
               <a:pPr/>
-              <a:t>02.06.2015</a:t>
+              <a:t>08.06.2015</a:t>
             </a:fld>
             <a:endParaRPr lang="ru-RU"/>
           </a:p>
@@ -818,7 +818,7 @@
             <a:fld id="{5B106E36-FD25-4E2D-B0AA-010F637433A0}" type="datetimeFigureOut">
               <a:rPr lang="ru-RU" smtClean="0"/>
               <a:pPr/>
-              <a:t>02.06.2015</a:t>
+              <a:t>08.06.2015</a:t>
             </a:fld>
             <a:endParaRPr lang="ru-RU"/>
           </a:p>
@@ -1061,7 +1061,7 @@
             <a:fld id="{5B106E36-FD25-4E2D-B0AA-010F637433A0}" type="datetimeFigureOut">
               <a:rPr lang="ru-RU" smtClean="0"/>
               <a:pPr/>
-              <a:t>02.06.2015</a:t>
+              <a:t>08.06.2015</a:t>
             </a:fld>
             <a:endParaRPr lang="ru-RU"/>
           </a:p>
@@ -1346,7 +1346,7 @@
             <a:fld id="{5B106E36-FD25-4E2D-B0AA-010F637433A0}" type="datetimeFigureOut">
               <a:rPr lang="ru-RU" smtClean="0"/>
               <a:pPr/>
-              <a:t>02.06.2015</a:t>
+              <a:t>08.06.2015</a:t>
             </a:fld>
             <a:endParaRPr lang="ru-RU"/>
           </a:p>
@@ -1765,7 +1765,7 @@
             <a:fld id="{5B106E36-FD25-4E2D-B0AA-010F637433A0}" type="datetimeFigureOut">
               <a:rPr lang="ru-RU" smtClean="0"/>
               <a:pPr/>
-              <a:t>02.06.2015</a:t>
+              <a:t>08.06.2015</a:t>
             </a:fld>
             <a:endParaRPr lang="ru-RU"/>
           </a:p>
@@ -1880,7 +1880,7 @@
             <a:fld id="{5B106E36-FD25-4E2D-B0AA-010F637433A0}" type="datetimeFigureOut">
               <a:rPr lang="ru-RU" smtClean="0"/>
               <a:pPr/>
-              <a:t>02.06.2015</a:t>
+              <a:t>08.06.2015</a:t>
             </a:fld>
             <a:endParaRPr lang="ru-RU"/>
           </a:p>
@@ -1972,7 +1972,7 @@
             <a:fld id="{5B106E36-FD25-4E2D-B0AA-010F637433A0}" type="datetimeFigureOut">
               <a:rPr lang="ru-RU" smtClean="0"/>
               <a:pPr/>
-              <a:t>02.06.2015</a:t>
+              <a:t>08.06.2015</a:t>
             </a:fld>
             <a:endParaRPr lang="ru-RU"/>
           </a:p>
@@ -2246,7 +2246,7 @@
             <a:fld id="{5B106E36-FD25-4E2D-B0AA-010F637433A0}" type="datetimeFigureOut">
               <a:rPr lang="ru-RU" smtClean="0"/>
               <a:pPr/>
-              <a:t>02.06.2015</a:t>
+              <a:t>08.06.2015</a:t>
             </a:fld>
             <a:endParaRPr lang="ru-RU"/>
           </a:p>
@@ -2496,7 +2496,7 @@
             <a:fld id="{5B106E36-FD25-4E2D-B0AA-010F637433A0}" type="datetimeFigureOut">
               <a:rPr lang="ru-RU" smtClean="0"/>
               <a:pPr/>
-              <a:t>02.06.2015</a:t>
+              <a:t>08.06.2015</a:t>
             </a:fld>
             <a:endParaRPr lang="ru-RU"/>
           </a:p>
@@ -2706,7 +2706,7 @@
             <a:fld id="{5B106E36-FD25-4E2D-B0AA-010F637433A0}" type="datetimeFigureOut">
               <a:rPr lang="ru-RU" smtClean="0"/>
               <a:pPr/>
-              <a:t>02.06.2015</a:t>
+              <a:t>08.06.2015</a:t>
             </a:fld>
             <a:endParaRPr lang="ru-RU"/>
           </a:p>
@@ -3101,7 +3101,23 @@
             </a:br>
             <a:r>
               <a:rPr lang="ru-RU" dirty="0" smtClean="0"/>
-              <a:t>(интернет аптека)</a:t>
+              <a:t>(</a:t>
+            </a:r>
+            <a:r>
+              <a:rPr lang="ru-RU" dirty="0" smtClean="0"/>
+              <a:t>интернет</a:t>
+            </a:r>
+            <a:r>
+              <a:rPr lang="en-US" smtClean="0"/>
+              <a:t>-</a:t>
+            </a:r>
+            <a:r>
+              <a:rPr lang="ru-RU" smtClean="0"/>
+              <a:t>аптека</a:t>
+            </a:r>
+            <a:r>
+              <a:rPr lang="ru-RU" dirty="0" smtClean="0"/>
+              <a:t>)</a:t>
             </a:r>
             <a:endParaRPr lang="ru-RU" dirty="0"/>
           </a:p>
@@ -3264,7 +3280,7 @@
           <p:nvPr/>
         </p:nvPicPr>
         <p:blipFill>
-          <a:blip r:embed="rId2"/>
+          <a:blip r:embed="rId2" cstate="print"/>
           <a:srcRect/>
           <a:stretch>
             <a:fillRect/>
@@ -3363,7 +3379,7 @@
           <p:nvPr/>
         </p:nvPicPr>
         <p:blipFill>
-          <a:blip r:embed="rId2"/>
+          <a:blip r:embed="rId2" cstate="print"/>
           <a:srcRect/>
           <a:stretch>
             <a:fillRect/>
@@ -3472,7 +3488,7 @@
           <p:nvPr/>
         </p:nvPicPr>
         <p:blipFill>
-          <a:blip r:embed="rId2"/>
+          <a:blip r:embed="rId2" cstate="print"/>
           <a:srcRect/>
           <a:stretch>
             <a:fillRect/>
@@ -3581,7 +3597,7 @@
           <p:nvPr/>
         </p:nvPicPr>
         <p:blipFill>
-          <a:blip r:embed="rId2"/>
+          <a:blip r:embed="rId2" cstate="print"/>
           <a:srcRect/>
           <a:stretch>
             <a:fillRect/>
@@ -11401,7 +11417,7 @@
           <p:nvPr/>
         </p:nvPicPr>
         <p:blipFill>
-          <a:blip r:embed="rId2"/>
+          <a:blip r:embed="rId2" cstate="print"/>
           <a:srcRect/>
           <a:stretch>
             <a:fillRect/>
@@ -11524,7 +11540,7 @@
           <p:nvPr/>
         </p:nvPicPr>
         <p:blipFill>
-          <a:blip r:embed="rId2"/>
+          <a:blip r:embed="rId2" cstate="print"/>
           <a:stretch>
             <a:fillRect/>
           </a:stretch>
@@ -13132,7 +13148,7 @@
           <p:nvPr/>
         </p:nvPicPr>
         <p:blipFill>
-          <a:blip r:embed="rId2"/>
+          <a:blip r:embed="rId2" cstate="print"/>
           <a:srcRect/>
           <a:stretch>
             <a:fillRect/>
@@ -13241,7 +13257,7 @@
           <p:nvPr/>
         </p:nvPicPr>
         <p:blipFill>
-          <a:blip r:embed="rId2"/>
+          <a:blip r:embed="rId2" cstate="print"/>
           <a:srcRect l="2443" r="1135"/>
           <a:stretch>
             <a:fillRect/>
@@ -13350,7 +13366,7 @@
           <p:nvPr/>
         </p:nvPicPr>
         <p:blipFill>
-          <a:blip r:embed="rId2"/>
+          <a:blip r:embed="rId2" cstate="print"/>
           <a:srcRect/>
           <a:stretch>
             <a:fillRect/>
